--- a/ppt 16-9/0496.快乐的福音使者.pptx
+++ b/ppt 16-9/0496.快乐的福音使者.pptx
@@ -5,7 +5,7 @@
     <p:sldMasterId id="2147483648" r:id="rId1"/>
   </p:sldMasterIdLst>
   <p:sldIdLst>
-    <p:sldId id="3008" r:id="rId2"/>
+    <p:sldId id="3009" r:id="rId2"/>
   </p:sldIdLst>
   <p:sldSz cx="12192000" cy="6858000"/>
   <p:notesSz cx="6858000" cy="9144000"/>
@@ -129,7 +129,7 @@
           <p:cNvPr id="2" name="标题 1">
             <a:extLst>
               <a:ext uri="{FF2B5EF4-FFF2-40B4-BE49-F238E27FC236}">
-                <a16:creationId xmlns:a16="http://schemas.microsoft.com/office/drawing/2014/main" id="{0CB6300A-32FA-472F-70C4-FC7DA13E3837}"/>
+                <a16:creationId xmlns:a16="http://schemas.microsoft.com/office/drawing/2014/main" id="{4E0B693C-DE00-5A33-559D-D582A08E420E}"/>
               </a:ext>
             </a:extLst>
           </p:cNvPr>
@@ -166,7 +166,7 @@
           <p:cNvPr id="3" name="副标题 2">
             <a:extLst>
               <a:ext uri="{FF2B5EF4-FFF2-40B4-BE49-F238E27FC236}">
-                <a16:creationId xmlns:a16="http://schemas.microsoft.com/office/drawing/2014/main" id="{5881E5F7-CF8B-83B4-334D-2A99BBF26705}"/>
+                <a16:creationId xmlns:a16="http://schemas.microsoft.com/office/drawing/2014/main" id="{AB01CE9A-5203-8C43-1218-9A46B426ED0B}"/>
               </a:ext>
             </a:extLst>
           </p:cNvPr>
@@ -236,7 +236,7 @@
           <p:cNvPr id="4" name="日期占位符 3">
             <a:extLst>
               <a:ext uri="{FF2B5EF4-FFF2-40B4-BE49-F238E27FC236}">
-                <a16:creationId xmlns:a16="http://schemas.microsoft.com/office/drawing/2014/main" id="{378996D1-25DB-FF28-A418-B0924CB7D170}"/>
+                <a16:creationId xmlns:a16="http://schemas.microsoft.com/office/drawing/2014/main" id="{1EA4F13A-8D39-D6DB-FC71-5F3D838E1C47}"/>
               </a:ext>
             </a:extLst>
           </p:cNvPr>
@@ -252,7 +252,7 @@
           <a:bodyPr/>
           <a:lstStyle/>
           <a:p>
-            <a:fld id="{EE6136B4-9C0B-4520-9A15-086AF0762D86}" type="datetimeFigureOut">
+            <a:fld id="{46F57507-0F4C-4094-8952-2F3170145981}" type="datetimeFigureOut">
               <a:rPr lang="zh-CN" altLang="en-US" smtClean="0"/>
               <a:t>2024/3/10</a:t>
             </a:fld>
@@ -265,7 +265,7 @@
           <p:cNvPr id="5" name="页脚占位符 4">
             <a:extLst>
               <a:ext uri="{FF2B5EF4-FFF2-40B4-BE49-F238E27FC236}">
-                <a16:creationId xmlns:a16="http://schemas.microsoft.com/office/drawing/2014/main" id="{56A281C7-F981-9EC7-33C8-816057B22F1F}"/>
+                <a16:creationId xmlns:a16="http://schemas.microsoft.com/office/drawing/2014/main" id="{358FD432-B3E2-D146-065C-EC3EA4652CFB}"/>
               </a:ext>
             </a:extLst>
           </p:cNvPr>
@@ -290,7 +290,7 @@
           <p:cNvPr id="6" name="灯片编号占位符 5">
             <a:extLst>
               <a:ext uri="{FF2B5EF4-FFF2-40B4-BE49-F238E27FC236}">
-                <a16:creationId xmlns:a16="http://schemas.microsoft.com/office/drawing/2014/main" id="{359542DE-C7AD-BE42-9DDB-CC061C0E5EA6}"/>
+                <a16:creationId xmlns:a16="http://schemas.microsoft.com/office/drawing/2014/main" id="{A2FD1462-2A42-393E-E72E-914C0C893075}"/>
               </a:ext>
             </a:extLst>
           </p:cNvPr>
@@ -306,7 +306,7 @@
           <a:bodyPr/>
           <a:lstStyle/>
           <a:p>
-            <a:fld id="{B1A135E2-56E7-4F0D-93CC-1A1753B7828B}" type="slidenum">
+            <a:fld id="{FD264F54-6E70-4BED-B795-E4D605546D8E}" type="slidenum">
               <a:rPr lang="zh-CN" altLang="en-US" smtClean="0"/>
               <a:t>‹#›</a:t>
             </a:fld>
@@ -317,7 +317,7 @@
     </p:spTree>
     <p:extLst>
       <p:ext uri="{BB962C8B-B14F-4D97-AF65-F5344CB8AC3E}">
-        <p14:creationId xmlns:p14="http://schemas.microsoft.com/office/powerpoint/2010/main" val="2522599371"/>
+        <p14:creationId xmlns:p14="http://schemas.microsoft.com/office/powerpoint/2010/main" val="577743073"/>
       </p:ext>
     </p:extLst>
   </p:cSld>
@@ -349,7 +349,7 @@
           <p:cNvPr id="2" name="标题 1">
             <a:extLst>
               <a:ext uri="{FF2B5EF4-FFF2-40B4-BE49-F238E27FC236}">
-                <a16:creationId xmlns:a16="http://schemas.microsoft.com/office/drawing/2014/main" id="{30203EB9-1BEB-41FD-55D5-1D49116F32D7}"/>
+                <a16:creationId xmlns:a16="http://schemas.microsoft.com/office/drawing/2014/main" id="{C081D949-2CD5-05BA-D563-294E70675B69}"/>
               </a:ext>
             </a:extLst>
           </p:cNvPr>
@@ -377,7 +377,7 @@
           <p:cNvPr id="3" name="竖排文字占位符 2">
             <a:extLst>
               <a:ext uri="{FF2B5EF4-FFF2-40B4-BE49-F238E27FC236}">
-                <a16:creationId xmlns:a16="http://schemas.microsoft.com/office/drawing/2014/main" id="{0AAE629E-5AEC-37B3-BB3B-4B0824D375D7}"/>
+                <a16:creationId xmlns:a16="http://schemas.microsoft.com/office/drawing/2014/main" id="{C7D83031-BB74-056E-81C6-9C8F4E08C34E}"/>
               </a:ext>
             </a:extLst>
           </p:cNvPr>
@@ -434,7 +434,7 @@
           <p:cNvPr id="4" name="日期占位符 3">
             <a:extLst>
               <a:ext uri="{FF2B5EF4-FFF2-40B4-BE49-F238E27FC236}">
-                <a16:creationId xmlns:a16="http://schemas.microsoft.com/office/drawing/2014/main" id="{E38770EB-999A-9F23-4E8E-1EA46C376212}"/>
+                <a16:creationId xmlns:a16="http://schemas.microsoft.com/office/drawing/2014/main" id="{750DA4F7-62DE-7D14-4048-9C81319F47B2}"/>
               </a:ext>
             </a:extLst>
           </p:cNvPr>
@@ -450,7 +450,7 @@
           <a:bodyPr/>
           <a:lstStyle/>
           <a:p>
-            <a:fld id="{EE6136B4-9C0B-4520-9A15-086AF0762D86}" type="datetimeFigureOut">
+            <a:fld id="{46F57507-0F4C-4094-8952-2F3170145981}" type="datetimeFigureOut">
               <a:rPr lang="zh-CN" altLang="en-US" smtClean="0"/>
               <a:t>2024/3/10</a:t>
             </a:fld>
@@ -463,7 +463,7 @@
           <p:cNvPr id="5" name="页脚占位符 4">
             <a:extLst>
               <a:ext uri="{FF2B5EF4-FFF2-40B4-BE49-F238E27FC236}">
-                <a16:creationId xmlns:a16="http://schemas.microsoft.com/office/drawing/2014/main" id="{A536B6BD-65F5-21DB-C84F-595C4F2EE3E3}"/>
+                <a16:creationId xmlns:a16="http://schemas.microsoft.com/office/drawing/2014/main" id="{23497E54-1CC8-2A06-8941-0659FD870425}"/>
               </a:ext>
             </a:extLst>
           </p:cNvPr>
@@ -488,7 +488,7 @@
           <p:cNvPr id="6" name="灯片编号占位符 5">
             <a:extLst>
               <a:ext uri="{FF2B5EF4-FFF2-40B4-BE49-F238E27FC236}">
-                <a16:creationId xmlns:a16="http://schemas.microsoft.com/office/drawing/2014/main" id="{8CB56806-3808-76D2-89F4-A38117E44BF1}"/>
+                <a16:creationId xmlns:a16="http://schemas.microsoft.com/office/drawing/2014/main" id="{13E5886E-045C-C781-7B90-983EC41254AC}"/>
               </a:ext>
             </a:extLst>
           </p:cNvPr>
@@ -504,7 +504,7 @@
           <a:bodyPr/>
           <a:lstStyle/>
           <a:p>
-            <a:fld id="{B1A135E2-56E7-4F0D-93CC-1A1753B7828B}" type="slidenum">
+            <a:fld id="{FD264F54-6E70-4BED-B795-E4D605546D8E}" type="slidenum">
               <a:rPr lang="zh-CN" altLang="en-US" smtClean="0"/>
               <a:t>‹#›</a:t>
             </a:fld>
@@ -515,7 +515,7 @@
     </p:spTree>
     <p:extLst>
       <p:ext uri="{BB962C8B-B14F-4D97-AF65-F5344CB8AC3E}">
-        <p14:creationId xmlns:p14="http://schemas.microsoft.com/office/powerpoint/2010/main" val="653732130"/>
+        <p14:creationId xmlns:p14="http://schemas.microsoft.com/office/powerpoint/2010/main" val="379358624"/>
       </p:ext>
     </p:extLst>
   </p:cSld>
@@ -547,7 +547,7 @@
           <p:cNvPr id="2" name="竖排标题 1">
             <a:extLst>
               <a:ext uri="{FF2B5EF4-FFF2-40B4-BE49-F238E27FC236}">
-                <a16:creationId xmlns:a16="http://schemas.microsoft.com/office/drawing/2014/main" id="{F1BDBFF7-721C-36AF-500B-CF2920CF7354}"/>
+                <a16:creationId xmlns:a16="http://schemas.microsoft.com/office/drawing/2014/main" id="{CA735382-9785-BBF0-FDBB-0AB878FE2825}"/>
               </a:ext>
             </a:extLst>
           </p:cNvPr>
@@ -580,7 +580,7 @@
           <p:cNvPr id="3" name="竖排文字占位符 2">
             <a:extLst>
               <a:ext uri="{FF2B5EF4-FFF2-40B4-BE49-F238E27FC236}">
-                <a16:creationId xmlns:a16="http://schemas.microsoft.com/office/drawing/2014/main" id="{7DD95C4B-2933-16C1-5A88-64BDC79321C8}"/>
+                <a16:creationId xmlns:a16="http://schemas.microsoft.com/office/drawing/2014/main" id="{10C69A19-8FFD-D553-309A-6926415FB79E}"/>
               </a:ext>
             </a:extLst>
           </p:cNvPr>
@@ -642,7 +642,7 @@
           <p:cNvPr id="4" name="日期占位符 3">
             <a:extLst>
               <a:ext uri="{FF2B5EF4-FFF2-40B4-BE49-F238E27FC236}">
-                <a16:creationId xmlns:a16="http://schemas.microsoft.com/office/drawing/2014/main" id="{88C371B1-6EC9-E653-17EA-DF219D41C4C2}"/>
+                <a16:creationId xmlns:a16="http://schemas.microsoft.com/office/drawing/2014/main" id="{E410DC22-763C-6813-61B0-D1A2E8C8C8EE}"/>
               </a:ext>
             </a:extLst>
           </p:cNvPr>
@@ -658,7 +658,7 @@
           <a:bodyPr/>
           <a:lstStyle/>
           <a:p>
-            <a:fld id="{EE6136B4-9C0B-4520-9A15-086AF0762D86}" type="datetimeFigureOut">
+            <a:fld id="{46F57507-0F4C-4094-8952-2F3170145981}" type="datetimeFigureOut">
               <a:rPr lang="zh-CN" altLang="en-US" smtClean="0"/>
               <a:t>2024/3/10</a:t>
             </a:fld>
@@ -671,7 +671,7 @@
           <p:cNvPr id="5" name="页脚占位符 4">
             <a:extLst>
               <a:ext uri="{FF2B5EF4-FFF2-40B4-BE49-F238E27FC236}">
-                <a16:creationId xmlns:a16="http://schemas.microsoft.com/office/drawing/2014/main" id="{6C96718F-024D-02D2-701B-CF621D6206D9}"/>
+                <a16:creationId xmlns:a16="http://schemas.microsoft.com/office/drawing/2014/main" id="{AF8EC834-CD8A-98F0-063E-ACD2B975A723}"/>
               </a:ext>
             </a:extLst>
           </p:cNvPr>
@@ -696,7 +696,7 @@
           <p:cNvPr id="6" name="灯片编号占位符 5">
             <a:extLst>
               <a:ext uri="{FF2B5EF4-FFF2-40B4-BE49-F238E27FC236}">
-                <a16:creationId xmlns:a16="http://schemas.microsoft.com/office/drawing/2014/main" id="{C3E021CA-8903-CD4B-69AA-606F828DFE7C}"/>
+                <a16:creationId xmlns:a16="http://schemas.microsoft.com/office/drawing/2014/main" id="{C0B7FF33-CC36-F945-1E43-1BBC4A269351}"/>
               </a:ext>
             </a:extLst>
           </p:cNvPr>
@@ -712,7 +712,7 @@
           <a:bodyPr/>
           <a:lstStyle/>
           <a:p>
-            <a:fld id="{B1A135E2-56E7-4F0D-93CC-1A1753B7828B}" type="slidenum">
+            <a:fld id="{FD264F54-6E70-4BED-B795-E4D605546D8E}" type="slidenum">
               <a:rPr lang="zh-CN" altLang="en-US" smtClean="0"/>
               <a:t>‹#›</a:t>
             </a:fld>
@@ -723,7 +723,7 @@
     </p:spTree>
     <p:extLst>
       <p:ext uri="{BB962C8B-B14F-4D97-AF65-F5344CB8AC3E}">
-        <p14:creationId xmlns:p14="http://schemas.microsoft.com/office/powerpoint/2010/main" val="1737580110"/>
+        <p14:creationId xmlns:p14="http://schemas.microsoft.com/office/powerpoint/2010/main" val="4122920485"/>
       </p:ext>
     </p:extLst>
   </p:cSld>
@@ -755,7 +755,7 @@
           <p:cNvPr id="2" name="标题 1">
             <a:extLst>
               <a:ext uri="{FF2B5EF4-FFF2-40B4-BE49-F238E27FC236}">
-                <a16:creationId xmlns:a16="http://schemas.microsoft.com/office/drawing/2014/main" id="{CA20B34D-A394-3DC0-82B1-2E1F21E2932C}"/>
+                <a16:creationId xmlns:a16="http://schemas.microsoft.com/office/drawing/2014/main" id="{C2E88FD4-5430-19EF-6CE4-F33A0FFEF6A9}"/>
               </a:ext>
             </a:extLst>
           </p:cNvPr>
@@ -783,7 +783,7 @@
           <p:cNvPr id="3" name="内容占位符 2">
             <a:extLst>
               <a:ext uri="{FF2B5EF4-FFF2-40B4-BE49-F238E27FC236}">
-                <a16:creationId xmlns:a16="http://schemas.microsoft.com/office/drawing/2014/main" id="{7F89C9C8-B642-AF29-0C2A-145A01833B9F}"/>
+                <a16:creationId xmlns:a16="http://schemas.microsoft.com/office/drawing/2014/main" id="{BCBE74F9-D9C1-F25B-C6B0-82336D616796}"/>
               </a:ext>
             </a:extLst>
           </p:cNvPr>
@@ -840,7 +840,7 @@
           <p:cNvPr id="4" name="日期占位符 3">
             <a:extLst>
               <a:ext uri="{FF2B5EF4-FFF2-40B4-BE49-F238E27FC236}">
-                <a16:creationId xmlns:a16="http://schemas.microsoft.com/office/drawing/2014/main" id="{0EC12097-27AC-C109-D365-66F49AAD64DB}"/>
+                <a16:creationId xmlns:a16="http://schemas.microsoft.com/office/drawing/2014/main" id="{2BEA97A2-C3AE-16F7-B9AE-9532A1813CA3}"/>
               </a:ext>
             </a:extLst>
           </p:cNvPr>
@@ -856,7 +856,7 @@
           <a:bodyPr/>
           <a:lstStyle/>
           <a:p>
-            <a:fld id="{EE6136B4-9C0B-4520-9A15-086AF0762D86}" type="datetimeFigureOut">
+            <a:fld id="{46F57507-0F4C-4094-8952-2F3170145981}" type="datetimeFigureOut">
               <a:rPr lang="zh-CN" altLang="en-US" smtClean="0"/>
               <a:t>2024/3/10</a:t>
             </a:fld>
@@ -869,7 +869,7 @@
           <p:cNvPr id="5" name="页脚占位符 4">
             <a:extLst>
               <a:ext uri="{FF2B5EF4-FFF2-40B4-BE49-F238E27FC236}">
-                <a16:creationId xmlns:a16="http://schemas.microsoft.com/office/drawing/2014/main" id="{0D220B45-169F-8CDD-E92B-4AA7D24D8B10}"/>
+                <a16:creationId xmlns:a16="http://schemas.microsoft.com/office/drawing/2014/main" id="{546ECB9D-C4F6-6BCA-1188-2531F6528613}"/>
               </a:ext>
             </a:extLst>
           </p:cNvPr>
@@ -894,7 +894,7 @@
           <p:cNvPr id="6" name="灯片编号占位符 5">
             <a:extLst>
               <a:ext uri="{FF2B5EF4-FFF2-40B4-BE49-F238E27FC236}">
-                <a16:creationId xmlns:a16="http://schemas.microsoft.com/office/drawing/2014/main" id="{864CBAA0-D5F1-C6BE-571A-537AB6BE0BBD}"/>
+                <a16:creationId xmlns:a16="http://schemas.microsoft.com/office/drawing/2014/main" id="{4A51E077-61C0-331E-9A47-1D000A863A3D}"/>
               </a:ext>
             </a:extLst>
           </p:cNvPr>
@@ -910,7 +910,7 @@
           <a:bodyPr/>
           <a:lstStyle/>
           <a:p>
-            <a:fld id="{B1A135E2-56E7-4F0D-93CC-1A1753B7828B}" type="slidenum">
+            <a:fld id="{FD264F54-6E70-4BED-B795-E4D605546D8E}" type="slidenum">
               <a:rPr lang="zh-CN" altLang="en-US" smtClean="0"/>
               <a:t>‹#›</a:t>
             </a:fld>
@@ -921,7 +921,7 @@
     </p:spTree>
     <p:extLst>
       <p:ext uri="{BB962C8B-B14F-4D97-AF65-F5344CB8AC3E}">
-        <p14:creationId xmlns:p14="http://schemas.microsoft.com/office/powerpoint/2010/main" val="1422723669"/>
+        <p14:creationId xmlns:p14="http://schemas.microsoft.com/office/powerpoint/2010/main" val="365454596"/>
       </p:ext>
     </p:extLst>
   </p:cSld>
@@ -953,7 +953,7 @@
           <p:cNvPr id="2" name="标题 1">
             <a:extLst>
               <a:ext uri="{FF2B5EF4-FFF2-40B4-BE49-F238E27FC236}">
-                <a16:creationId xmlns:a16="http://schemas.microsoft.com/office/drawing/2014/main" id="{0BEE6B09-6AD6-39E5-558D-1AF5CF47A63F}"/>
+                <a16:creationId xmlns:a16="http://schemas.microsoft.com/office/drawing/2014/main" id="{F79219D2-0F75-509C-8542-925878814AC9}"/>
               </a:ext>
             </a:extLst>
           </p:cNvPr>
@@ -990,7 +990,7 @@
           <p:cNvPr id="3" name="文本占位符 2">
             <a:extLst>
               <a:ext uri="{FF2B5EF4-FFF2-40B4-BE49-F238E27FC236}">
-                <a16:creationId xmlns:a16="http://schemas.microsoft.com/office/drawing/2014/main" id="{534ED07B-FF9B-0F94-C76A-AFEDC10AE590}"/>
+                <a16:creationId xmlns:a16="http://schemas.microsoft.com/office/drawing/2014/main" id="{5C7BDD6D-9E4F-CC63-F937-33ABE5CD1CBA}"/>
               </a:ext>
             </a:extLst>
           </p:cNvPr>
@@ -1115,7 +1115,7 @@
           <p:cNvPr id="4" name="日期占位符 3">
             <a:extLst>
               <a:ext uri="{FF2B5EF4-FFF2-40B4-BE49-F238E27FC236}">
-                <a16:creationId xmlns:a16="http://schemas.microsoft.com/office/drawing/2014/main" id="{B0AE54E5-90D3-1450-9A95-7FAA0D6250FE}"/>
+                <a16:creationId xmlns:a16="http://schemas.microsoft.com/office/drawing/2014/main" id="{5E868397-47F7-CACE-0F9F-E302977D772C}"/>
               </a:ext>
             </a:extLst>
           </p:cNvPr>
@@ -1131,7 +1131,7 @@
           <a:bodyPr/>
           <a:lstStyle/>
           <a:p>
-            <a:fld id="{EE6136B4-9C0B-4520-9A15-086AF0762D86}" type="datetimeFigureOut">
+            <a:fld id="{46F57507-0F4C-4094-8952-2F3170145981}" type="datetimeFigureOut">
               <a:rPr lang="zh-CN" altLang="en-US" smtClean="0"/>
               <a:t>2024/3/10</a:t>
             </a:fld>
@@ -1144,7 +1144,7 @@
           <p:cNvPr id="5" name="页脚占位符 4">
             <a:extLst>
               <a:ext uri="{FF2B5EF4-FFF2-40B4-BE49-F238E27FC236}">
-                <a16:creationId xmlns:a16="http://schemas.microsoft.com/office/drawing/2014/main" id="{5E45A3B7-52B0-FB60-7614-A50F6175C58B}"/>
+                <a16:creationId xmlns:a16="http://schemas.microsoft.com/office/drawing/2014/main" id="{C26022FF-43A9-49B6-11E4-AA5F0413D638}"/>
               </a:ext>
             </a:extLst>
           </p:cNvPr>
@@ -1169,7 +1169,7 @@
           <p:cNvPr id="6" name="灯片编号占位符 5">
             <a:extLst>
               <a:ext uri="{FF2B5EF4-FFF2-40B4-BE49-F238E27FC236}">
-                <a16:creationId xmlns:a16="http://schemas.microsoft.com/office/drawing/2014/main" id="{D6F77E20-6B52-62F4-3523-8A20F3C1A8E4}"/>
+                <a16:creationId xmlns:a16="http://schemas.microsoft.com/office/drawing/2014/main" id="{F2029E47-12E0-BC7A-A1ED-86209947C2F2}"/>
               </a:ext>
             </a:extLst>
           </p:cNvPr>
@@ -1185,7 +1185,7 @@
           <a:bodyPr/>
           <a:lstStyle/>
           <a:p>
-            <a:fld id="{B1A135E2-56E7-4F0D-93CC-1A1753B7828B}" type="slidenum">
+            <a:fld id="{FD264F54-6E70-4BED-B795-E4D605546D8E}" type="slidenum">
               <a:rPr lang="zh-CN" altLang="en-US" smtClean="0"/>
               <a:t>‹#›</a:t>
             </a:fld>
@@ -1196,7 +1196,7 @@
     </p:spTree>
     <p:extLst>
       <p:ext uri="{BB962C8B-B14F-4D97-AF65-F5344CB8AC3E}">
-        <p14:creationId xmlns:p14="http://schemas.microsoft.com/office/powerpoint/2010/main" val="2438119465"/>
+        <p14:creationId xmlns:p14="http://schemas.microsoft.com/office/powerpoint/2010/main" val="1903595503"/>
       </p:ext>
     </p:extLst>
   </p:cSld>
@@ -1228,7 +1228,7 @@
           <p:cNvPr id="2" name="标题 1">
             <a:extLst>
               <a:ext uri="{FF2B5EF4-FFF2-40B4-BE49-F238E27FC236}">
-                <a16:creationId xmlns:a16="http://schemas.microsoft.com/office/drawing/2014/main" id="{771A4BB6-6479-14A9-D046-99E6D7AE714E}"/>
+                <a16:creationId xmlns:a16="http://schemas.microsoft.com/office/drawing/2014/main" id="{7ACE01C0-DA28-234F-64F4-CE403FDC5904}"/>
               </a:ext>
             </a:extLst>
           </p:cNvPr>
@@ -1256,7 +1256,7 @@
           <p:cNvPr id="3" name="内容占位符 2">
             <a:extLst>
               <a:ext uri="{FF2B5EF4-FFF2-40B4-BE49-F238E27FC236}">
-                <a16:creationId xmlns:a16="http://schemas.microsoft.com/office/drawing/2014/main" id="{7DCB4D5C-1996-8042-76D8-0EBC3618965A}"/>
+                <a16:creationId xmlns:a16="http://schemas.microsoft.com/office/drawing/2014/main" id="{03073327-655E-C721-29BB-A4AE81686B97}"/>
               </a:ext>
             </a:extLst>
           </p:cNvPr>
@@ -1318,7 +1318,7 @@
           <p:cNvPr id="4" name="内容占位符 3">
             <a:extLst>
               <a:ext uri="{FF2B5EF4-FFF2-40B4-BE49-F238E27FC236}">
-                <a16:creationId xmlns:a16="http://schemas.microsoft.com/office/drawing/2014/main" id="{D71BBD5B-C87F-C4FF-22A0-107EBC05DF4E}"/>
+                <a16:creationId xmlns:a16="http://schemas.microsoft.com/office/drawing/2014/main" id="{BB9A2E66-C7F2-5316-549A-23664B8696BA}"/>
               </a:ext>
             </a:extLst>
           </p:cNvPr>
@@ -1380,7 +1380,7 @@
           <p:cNvPr id="5" name="日期占位符 4">
             <a:extLst>
               <a:ext uri="{FF2B5EF4-FFF2-40B4-BE49-F238E27FC236}">
-                <a16:creationId xmlns:a16="http://schemas.microsoft.com/office/drawing/2014/main" id="{B1558EF0-ED39-A1D0-6A71-A76F0BCF3DD7}"/>
+                <a16:creationId xmlns:a16="http://schemas.microsoft.com/office/drawing/2014/main" id="{CA7E602C-0FB8-861E-4A6C-4FEBB334537A}"/>
               </a:ext>
             </a:extLst>
           </p:cNvPr>
@@ -1396,7 +1396,7 @@
           <a:bodyPr/>
           <a:lstStyle/>
           <a:p>
-            <a:fld id="{EE6136B4-9C0B-4520-9A15-086AF0762D86}" type="datetimeFigureOut">
+            <a:fld id="{46F57507-0F4C-4094-8952-2F3170145981}" type="datetimeFigureOut">
               <a:rPr lang="zh-CN" altLang="en-US" smtClean="0"/>
               <a:t>2024/3/10</a:t>
             </a:fld>
@@ -1409,7 +1409,7 @@
           <p:cNvPr id="6" name="页脚占位符 5">
             <a:extLst>
               <a:ext uri="{FF2B5EF4-FFF2-40B4-BE49-F238E27FC236}">
-                <a16:creationId xmlns:a16="http://schemas.microsoft.com/office/drawing/2014/main" id="{B9C93D7A-F3E1-7570-1A47-41ABD414557E}"/>
+                <a16:creationId xmlns:a16="http://schemas.microsoft.com/office/drawing/2014/main" id="{D53D33E2-6F05-0145-D4DA-A64E4CEE9720}"/>
               </a:ext>
             </a:extLst>
           </p:cNvPr>
@@ -1434,7 +1434,7 @@
           <p:cNvPr id="7" name="灯片编号占位符 6">
             <a:extLst>
               <a:ext uri="{FF2B5EF4-FFF2-40B4-BE49-F238E27FC236}">
-                <a16:creationId xmlns:a16="http://schemas.microsoft.com/office/drawing/2014/main" id="{D9ADD605-5F00-3695-E738-614F20CE7613}"/>
+                <a16:creationId xmlns:a16="http://schemas.microsoft.com/office/drawing/2014/main" id="{12D4AD75-98F9-6102-E494-B0A5435C5833}"/>
               </a:ext>
             </a:extLst>
           </p:cNvPr>
@@ -1450,7 +1450,7 @@
           <a:bodyPr/>
           <a:lstStyle/>
           <a:p>
-            <a:fld id="{B1A135E2-56E7-4F0D-93CC-1A1753B7828B}" type="slidenum">
+            <a:fld id="{FD264F54-6E70-4BED-B795-E4D605546D8E}" type="slidenum">
               <a:rPr lang="zh-CN" altLang="en-US" smtClean="0"/>
               <a:t>‹#›</a:t>
             </a:fld>
@@ -1461,7 +1461,7 @@
     </p:spTree>
     <p:extLst>
       <p:ext uri="{BB962C8B-B14F-4D97-AF65-F5344CB8AC3E}">
-        <p14:creationId xmlns:p14="http://schemas.microsoft.com/office/powerpoint/2010/main" val="1628163619"/>
+        <p14:creationId xmlns:p14="http://schemas.microsoft.com/office/powerpoint/2010/main" val="3568662491"/>
       </p:ext>
     </p:extLst>
   </p:cSld>
@@ -1493,7 +1493,7 @@
           <p:cNvPr id="2" name="标题 1">
             <a:extLst>
               <a:ext uri="{FF2B5EF4-FFF2-40B4-BE49-F238E27FC236}">
-                <a16:creationId xmlns:a16="http://schemas.microsoft.com/office/drawing/2014/main" id="{E62D57F2-7D01-A076-BE47-95DD013024B7}"/>
+                <a16:creationId xmlns:a16="http://schemas.microsoft.com/office/drawing/2014/main" id="{EC617860-18C5-6C6B-E402-A92948A675FD}"/>
               </a:ext>
             </a:extLst>
           </p:cNvPr>
@@ -1526,7 +1526,7 @@
           <p:cNvPr id="3" name="文本占位符 2">
             <a:extLst>
               <a:ext uri="{FF2B5EF4-FFF2-40B4-BE49-F238E27FC236}">
-                <a16:creationId xmlns:a16="http://schemas.microsoft.com/office/drawing/2014/main" id="{CD2DEDDA-21D3-B1C9-977C-BB70BFFCBF55}"/>
+                <a16:creationId xmlns:a16="http://schemas.microsoft.com/office/drawing/2014/main" id="{C19EE459-FFD4-397C-18B6-E0782E8F1D5D}"/>
               </a:ext>
             </a:extLst>
           </p:cNvPr>
@@ -1597,7 +1597,7 @@
           <p:cNvPr id="4" name="内容占位符 3">
             <a:extLst>
               <a:ext uri="{FF2B5EF4-FFF2-40B4-BE49-F238E27FC236}">
-                <a16:creationId xmlns:a16="http://schemas.microsoft.com/office/drawing/2014/main" id="{EDD34696-2656-577C-A127-191BD66B648D}"/>
+                <a16:creationId xmlns:a16="http://schemas.microsoft.com/office/drawing/2014/main" id="{20DFDBEF-2120-17B8-FBE8-A3EA88E5FBCF}"/>
               </a:ext>
             </a:extLst>
           </p:cNvPr>
@@ -1659,7 +1659,7 @@
           <p:cNvPr id="5" name="文本占位符 4">
             <a:extLst>
               <a:ext uri="{FF2B5EF4-FFF2-40B4-BE49-F238E27FC236}">
-                <a16:creationId xmlns:a16="http://schemas.microsoft.com/office/drawing/2014/main" id="{4D75D5EF-9465-5007-19C2-352FCF0ED931}"/>
+                <a16:creationId xmlns:a16="http://schemas.microsoft.com/office/drawing/2014/main" id="{DE84B084-F331-61BF-50BF-95DBB0F80036}"/>
               </a:ext>
             </a:extLst>
           </p:cNvPr>
@@ -1730,7 +1730,7 @@
           <p:cNvPr id="6" name="内容占位符 5">
             <a:extLst>
               <a:ext uri="{FF2B5EF4-FFF2-40B4-BE49-F238E27FC236}">
-                <a16:creationId xmlns:a16="http://schemas.microsoft.com/office/drawing/2014/main" id="{248161C2-6A71-6124-ED2B-19975C96F814}"/>
+                <a16:creationId xmlns:a16="http://schemas.microsoft.com/office/drawing/2014/main" id="{85607FD1-7F9D-C842-D741-709A9AC98419}"/>
               </a:ext>
             </a:extLst>
           </p:cNvPr>
@@ -1792,7 +1792,7 @@
           <p:cNvPr id="7" name="日期占位符 6">
             <a:extLst>
               <a:ext uri="{FF2B5EF4-FFF2-40B4-BE49-F238E27FC236}">
-                <a16:creationId xmlns:a16="http://schemas.microsoft.com/office/drawing/2014/main" id="{9F616E34-7ACE-8B0B-3923-F15CE33A042C}"/>
+                <a16:creationId xmlns:a16="http://schemas.microsoft.com/office/drawing/2014/main" id="{1211FC25-5803-9E96-6BD5-9D0C53E6B152}"/>
               </a:ext>
             </a:extLst>
           </p:cNvPr>
@@ -1808,7 +1808,7 @@
           <a:bodyPr/>
           <a:lstStyle/>
           <a:p>
-            <a:fld id="{EE6136B4-9C0B-4520-9A15-086AF0762D86}" type="datetimeFigureOut">
+            <a:fld id="{46F57507-0F4C-4094-8952-2F3170145981}" type="datetimeFigureOut">
               <a:rPr lang="zh-CN" altLang="en-US" smtClean="0"/>
               <a:t>2024/3/10</a:t>
             </a:fld>
@@ -1821,7 +1821,7 @@
           <p:cNvPr id="8" name="页脚占位符 7">
             <a:extLst>
               <a:ext uri="{FF2B5EF4-FFF2-40B4-BE49-F238E27FC236}">
-                <a16:creationId xmlns:a16="http://schemas.microsoft.com/office/drawing/2014/main" id="{A08A0299-32AE-4E52-5FEB-B7C00E64706D}"/>
+                <a16:creationId xmlns:a16="http://schemas.microsoft.com/office/drawing/2014/main" id="{A7B2559E-F6EA-C80E-A978-B88A15B28464}"/>
               </a:ext>
             </a:extLst>
           </p:cNvPr>
@@ -1846,7 +1846,7 @@
           <p:cNvPr id="9" name="灯片编号占位符 8">
             <a:extLst>
               <a:ext uri="{FF2B5EF4-FFF2-40B4-BE49-F238E27FC236}">
-                <a16:creationId xmlns:a16="http://schemas.microsoft.com/office/drawing/2014/main" id="{BBD1D61B-6FAA-D065-7828-8026DE8AB4BA}"/>
+                <a16:creationId xmlns:a16="http://schemas.microsoft.com/office/drawing/2014/main" id="{F8119A85-2E39-FB4B-B1A8-9B2BA200FC6C}"/>
               </a:ext>
             </a:extLst>
           </p:cNvPr>
@@ -1862,7 +1862,7 @@
           <a:bodyPr/>
           <a:lstStyle/>
           <a:p>
-            <a:fld id="{B1A135E2-56E7-4F0D-93CC-1A1753B7828B}" type="slidenum">
+            <a:fld id="{FD264F54-6E70-4BED-B795-E4D605546D8E}" type="slidenum">
               <a:rPr lang="zh-CN" altLang="en-US" smtClean="0"/>
               <a:t>‹#›</a:t>
             </a:fld>
@@ -1873,7 +1873,7 @@
     </p:spTree>
     <p:extLst>
       <p:ext uri="{BB962C8B-B14F-4D97-AF65-F5344CB8AC3E}">
-        <p14:creationId xmlns:p14="http://schemas.microsoft.com/office/powerpoint/2010/main" val="3754540951"/>
+        <p14:creationId xmlns:p14="http://schemas.microsoft.com/office/powerpoint/2010/main" val="3424906893"/>
       </p:ext>
     </p:extLst>
   </p:cSld>
@@ -1905,7 +1905,7 @@
           <p:cNvPr id="2" name="标题 1">
             <a:extLst>
               <a:ext uri="{FF2B5EF4-FFF2-40B4-BE49-F238E27FC236}">
-                <a16:creationId xmlns:a16="http://schemas.microsoft.com/office/drawing/2014/main" id="{94D3C071-4B84-1F07-22F6-00FDEBDDF606}"/>
+                <a16:creationId xmlns:a16="http://schemas.microsoft.com/office/drawing/2014/main" id="{F19B74E8-034B-FEF0-4418-38A17647B612}"/>
               </a:ext>
             </a:extLst>
           </p:cNvPr>
@@ -1933,7 +1933,7 @@
           <p:cNvPr id="3" name="日期占位符 2">
             <a:extLst>
               <a:ext uri="{FF2B5EF4-FFF2-40B4-BE49-F238E27FC236}">
-                <a16:creationId xmlns:a16="http://schemas.microsoft.com/office/drawing/2014/main" id="{2A461C10-5600-CEE9-164E-96B6EA449C38}"/>
+                <a16:creationId xmlns:a16="http://schemas.microsoft.com/office/drawing/2014/main" id="{A61EB537-66F3-D67E-4912-1232B44A8895}"/>
               </a:ext>
             </a:extLst>
           </p:cNvPr>
@@ -1949,7 +1949,7 @@
           <a:bodyPr/>
           <a:lstStyle/>
           <a:p>
-            <a:fld id="{EE6136B4-9C0B-4520-9A15-086AF0762D86}" type="datetimeFigureOut">
+            <a:fld id="{46F57507-0F4C-4094-8952-2F3170145981}" type="datetimeFigureOut">
               <a:rPr lang="zh-CN" altLang="en-US" smtClean="0"/>
               <a:t>2024/3/10</a:t>
             </a:fld>
@@ -1962,7 +1962,7 @@
           <p:cNvPr id="4" name="页脚占位符 3">
             <a:extLst>
               <a:ext uri="{FF2B5EF4-FFF2-40B4-BE49-F238E27FC236}">
-                <a16:creationId xmlns:a16="http://schemas.microsoft.com/office/drawing/2014/main" id="{EE61E8B4-DFD9-2ADF-19E3-A5F1F42023C3}"/>
+                <a16:creationId xmlns:a16="http://schemas.microsoft.com/office/drawing/2014/main" id="{A43E0A34-279B-3C5D-8FF5-84C896904264}"/>
               </a:ext>
             </a:extLst>
           </p:cNvPr>
@@ -1987,7 +1987,7 @@
           <p:cNvPr id="5" name="灯片编号占位符 4">
             <a:extLst>
               <a:ext uri="{FF2B5EF4-FFF2-40B4-BE49-F238E27FC236}">
-                <a16:creationId xmlns:a16="http://schemas.microsoft.com/office/drawing/2014/main" id="{9D35D74E-9C3E-73D5-180A-DD76622E10D6}"/>
+                <a16:creationId xmlns:a16="http://schemas.microsoft.com/office/drawing/2014/main" id="{465A0CE5-5467-CF58-ED02-0ACCEA65A1BC}"/>
               </a:ext>
             </a:extLst>
           </p:cNvPr>
@@ -2003,7 +2003,7 @@
           <a:bodyPr/>
           <a:lstStyle/>
           <a:p>
-            <a:fld id="{B1A135E2-56E7-4F0D-93CC-1A1753B7828B}" type="slidenum">
+            <a:fld id="{FD264F54-6E70-4BED-B795-E4D605546D8E}" type="slidenum">
               <a:rPr lang="zh-CN" altLang="en-US" smtClean="0"/>
               <a:t>‹#›</a:t>
             </a:fld>
@@ -2014,7 +2014,7 @@
     </p:spTree>
     <p:extLst>
       <p:ext uri="{BB962C8B-B14F-4D97-AF65-F5344CB8AC3E}">
-        <p14:creationId xmlns:p14="http://schemas.microsoft.com/office/powerpoint/2010/main" val="1895264524"/>
+        <p14:creationId xmlns:p14="http://schemas.microsoft.com/office/powerpoint/2010/main" val="2049858242"/>
       </p:ext>
     </p:extLst>
   </p:cSld>
@@ -2046,7 +2046,7 @@
           <p:cNvPr id="2" name="日期占位符 1">
             <a:extLst>
               <a:ext uri="{FF2B5EF4-FFF2-40B4-BE49-F238E27FC236}">
-                <a16:creationId xmlns:a16="http://schemas.microsoft.com/office/drawing/2014/main" id="{29DA8905-BF7F-7235-10DA-5591ADB69E5B}"/>
+                <a16:creationId xmlns:a16="http://schemas.microsoft.com/office/drawing/2014/main" id="{49923E20-F4DF-9D6F-BE70-33F06812ACEF}"/>
               </a:ext>
             </a:extLst>
           </p:cNvPr>
@@ -2062,7 +2062,7 @@
           <a:bodyPr/>
           <a:lstStyle/>
           <a:p>
-            <a:fld id="{EE6136B4-9C0B-4520-9A15-086AF0762D86}" type="datetimeFigureOut">
+            <a:fld id="{46F57507-0F4C-4094-8952-2F3170145981}" type="datetimeFigureOut">
               <a:rPr lang="zh-CN" altLang="en-US" smtClean="0"/>
               <a:t>2024/3/10</a:t>
             </a:fld>
@@ -2075,7 +2075,7 @@
           <p:cNvPr id="3" name="页脚占位符 2">
             <a:extLst>
               <a:ext uri="{FF2B5EF4-FFF2-40B4-BE49-F238E27FC236}">
-                <a16:creationId xmlns:a16="http://schemas.microsoft.com/office/drawing/2014/main" id="{B075E990-62F2-906A-886A-13F55C0C7F25}"/>
+                <a16:creationId xmlns:a16="http://schemas.microsoft.com/office/drawing/2014/main" id="{70A6113C-39FD-91C0-CEA3-956F2B7DCD32}"/>
               </a:ext>
             </a:extLst>
           </p:cNvPr>
@@ -2100,7 +2100,7 @@
           <p:cNvPr id="4" name="灯片编号占位符 3">
             <a:extLst>
               <a:ext uri="{FF2B5EF4-FFF2-40B4-BE49-F238E27FC236}">
-                <a16:creationId xmlns:a16="http://schemas.microsoft.com/office/drawing/2014/main" id="{B9615E1D-33CF-F6B6-1BCA-AEA87A1672F3}"/>
+                <a16:creationId xmlns:a16="http://schemas.microsoft.com/office/drawing/2014/main" id="{25C2E25C-E827-BC52-1A1A-865305684CE2}"/>
               </a:ext>
             </a:extLst>
           </p:cNvPr>
@@ -2116,7 +2116,7 @@
           <a:bodyPr/>
           <a:lstStyle/>
           <a:p>
-            <a:fld id="{B1A135E2-56E7-4F0D-93CC-1A1753B7828B}" type="slidenum">
+            <a:fld id="{FD264F54-6E70-4BED-B795-E4D605546D8E}" type="slidenum">
               <a:rPr lang="zh-CN" altLang="en-US" smtClean="0"/>
               <a:t>‹#›</a:t>
             </a:fld>
@@ -2127,7 +2127,7 @@
     </p:spTree>
     <p:extLst>
       <p:ext uri="{BB962C8B-B14F-4D97-AF65-F5344CB8AC3E}">
-        <p14:creationId xmlns:p14="http://schemas.microsoft.com/office/powerpoint/2010/main" val="2124708292"/>
+        <p14:creationId xmlns:p14="http://schemas.microsoft.com/office/powerpoint/2010/main" val="2287645317"/>
       </p:ext>
     </p:extLst>
   </p:cSld>
@@ -2159,7 +2159,7 @@
           <p:cNvPr id="2" name="标题 1">
             <a:extLst>
               <a:ext uri="{FF2B5EF4-FFF2-40B4-BE49-F238E27FC236}">
-                <a16:creationId xmlns:a16="http://schemas.microsoft.com/office/drawing/2014/main" id="{E0E48208-FDD2-C0D5-2185-E52A449C104D}"/>
+                <a16:creationId xmlns:a16="http://schemas.microsoft.com/office/drawing/2014/main" id="{2E2FCD82-E03B-4759-814F-6F0CE03476BC}"/>
               </a:ext>
             </a:extLst>
           </p:cNvPr>
@@ -2196,7 +2196,7 @@
           <p:cNvPr id="3" name="内容占位符 2">
             <a:extLst>
               <a:ext uri="{FF2B5EF4-FFF2-40B4-BE49-F238E27FC236}">
-                <a16:creationId xmlns:a16="http://schemas.microsoft.com/office/drawing/2014/main" id="{F008C301-46C1-EF1D-37DE-0F28C62329E8}"/>
+                <a16:creationId xmlns:a16="http://schemas.microsoft.com/office/drawing/2014/main" id="{71C555A1-E8BB-893A-5F36-295CF118F674}"/>
               </a:ext>
             </a:extLst>
           </p:cNvPr>
@@ -2286,7 +2286,7 @@
           <p:cNvPr id="4" name="文本占位符 3">
             <a:extLst>
               <a:ext uri="{FF2B5EF4-FFF2-40B4-BE49-F238E27FC236}">
-                <a16:creationId xmlns:a16="http://schemas.microsoft.com/office/drawing/2014/main" id="{7700993E-0BB1-41B5-0CC8-7091D4FE40E7}"/>
+                <a16:creationId xmlns:a16="http://schemas.microsoft.com/office/drawing/2014/main" id="{35965057-E712-44E3-3E94-2D6ED8870E7E}"/>
               </a:ext>
             </a:extLst>
           </p:cNvPr>
@@ -2357,7 +2357,7 @@
           <p:cNvPr id="5" name="日期占位符 4">
             <a:extLst>
               <a:ext uri="{FF2B5EF4-FFF2-40B4-BE49-F238E27FC236}">
-                <a16:creationId xmlns:a16="http://schemas.microsoft.com/office/drawing/2014/main" id="{BF338BBE-0F92-05F1-D9E8-B37CDAAF12D3}"/>
+                <a16:creationId xmlns:a16="http://schemas.microsoft.com/office/drawing/2014/main" id="{10E0FF68-234B-A6F5-4167-20D357C0A57C}"/>
               </a:ext>
             </a:extLst>
           </p:cNvPr>
@@ -2373,7 +2373,7 @@
           <a:bodyPr/>
           <a:lstStyle/>
           <a:p>
-            <a:fld id="{EE6136B4-9C0B-4520-9A15-086AF0762D86}" type="datetimeFigureOut">
+            <a:fld id="{46F57507-0F4C-4094-8952-2F3170145981}" type="datetimeFigureOut">
               <a:rPr lang="zh-CN" altLang="en-US" smtClean="0"/>
               <a:t>2024/3/10</a:t>
             </a:fld>
@@ -2386,7 +2386,7 @@
           <p:cNvPr id="6" name="页脚占位符 5">
             <a:extLst>
               <a:ext uri="{FF2B5EF4-FFF2-40B4-BE49-F238E27FC236}">
-                <a16:creationId xmlns:a16="http://schemas.microsoft.com/office/drawing/2014/main" id="{96C2077A-8A79-5750-7313-41BF5ED0AD1F}"/>
+                <a16:creationId xmlns:a16="http://schemas.microsoft.com/office/drawing/2014/main" id="{C19DD1FB-A8EC-4818-CFBC-71B0424D7770}"/>
               </a:ext>
             </a:extLst>
           </p:cNvPr>
@@ -2411,7 +2411,7 @@
           <p:cNvPr id="7" name="灯片编号占位符 6">
             <a:extLst>
               <a:ext uri="{FF2B5EF4-FFF2-40B4-BE49-F238E27FC236}">
-                <a16:creationId xmlns:a16="http://schemas.microsoft.com/office/drawing/2014/main" id="{D7A2CD2D-29F6-2CFC-A7EA-FD66D7984B9E}"/>
+                <a16:creationId xmlns:a16="http://schemas.microsoft.com/office/drawing/2014/main" id="{5489AA60-C83A-AF2B-C318-7B570F6F4D6C}"/>
               </a:ext>
             </a:extLst>
           </p:cNvPr>
@@ -2427,7 +2427,7 @@
           <a:bodyPr/>
           <a:lstStyle/>
           <a:p>
-            <a:fld id="{B1A135E2-56E7-4F0D-93CC-1A1753B7828B}" type="slidenum">
+            <a:fld id="{FD264F54-6E70-4BED-B795-E4D605546D8E}" type="slidenum">
               <a:rPr lang="zh-CN" altLang="en-US" smtClean="0"/>
               <a:t>‹#›</a:t>
             </a:fld>
@@ -2438,7 +2438,7 @@
     </p:spTree>
     <p:extLst>
       <p:ext uri="{BB962C8B-B14F-4D97-AF65-F5344CB8AC3E}">
-        <p14:creationId xmlns:p14="http://schemas.microsoft.com/office/powerpoint/2010/main" val="1781414968"/>
+        <p14:creationId xmlns:p14="http://schemas.microsoft.com/office/powerpoint/2010/main" val="813601674"/>
       </p:ext>
     </p:extLst>
   </p:cSld>
@@ -2470,7 +2470,7 @@
           <p:cNvPr id="2" name="标题 1">
             <a:extLst>
               <a:ext uri="{FF2B5EF4-FFF2-40B4-BE49-F238E27FC236}">
-                <a16:creationId xmlns:a16="http://schemas.microsoft.com/office/drawing/2014/main" id="{2DEAA5FD-CAD9-955A-6861-6941B4CD56AC}"/>
+                <a16:creationId xmlns:a16="http://schemas.microsoft.com/office/drawing/2014/main" id="{B441B10C-F34D-53F3-CEB3-7E0913D2BE52}"/>
               </a:ext>
             </a:extLst>
           </p:cNvPr>
@@ -2507,7 +2507,7 @@
           <p:cNvPr id="3" name="图片占位符 2">
             <a:extLst>
               <a:ext uri="{FF2B5EF4-FFF2-40B4-BE49-F238E27FC236}">
-                <a16:creationId xmlns:a16="http://schemas.microsoft.com/office/drawing/2014/main" id="{6A46B4FA-DE2D-589A-B662-EB6F3AE1BA69}"/>
+                <a16:creationId xmlns:a16="http://schemas.microsoft.com/office/drawing/2014/main" id="{1B1F6BAD-ECA5-2882-4A0E-1D51092405D0}"/>
               </a:ext>
             </a:extLst>
           </p:cNvPr>
@@ -2574,7 +2574,7 @@
           <p:cNvPr id="4" name="文本占位符 3">
             <a:extLst>
               <a:ext uri="{FF2B5EF4-FFF2-40B4-BE49-F238E27FC236}">
-                <a16:creationId xmlns:a16="http://schemas.microsoft.com/office/drawing/2014/main" id="{27381E1F-A08C-8BDE-7B47-5136E70B48D7}"/>
+                <a16:creationId xmlns:a16="http://schemas.microsoft.com/office/drawing/2014/main" id="{8336CCAF-3E86-453D-0403-DB38956FBC6B}"/>
               </a:ext>
             </a:extLst>
           </p:cNvPr>
@@ -2645,7 +2645,7 @@
           <p:cNvPr id="5" name="日期占位符 4">
             <a:extLst>
               <a:ext uri="{FF2B5EF4-FFF2-40B4-BE49-F238E27FC236}">
-                <a16:creationId xmlns:a16="http://schemas.microsoft.com/office/drawing/2014/main" id="{1482892D-7E00-41AD-DAB2-1718CABE854B}"/>
+                <a16:creationId xmlns:a16="http://schemas.microsoft.com/office/drawing/2014/main" id="{2BE004B0-0C8A-39C2-4684-8420BE91413B}"/>
               </a:ext>
             </a:extLst>
           </p:cNvPr>
@@ -2661,7 +2661,7 @@
           <a:bodyPr/>
           <a:lstStyle/>
           <a:p>
-            <a:fld id="{EE6136B4-9C0B-4520-9A15-086AF0762D86}" type="datetimeFigureOut">
+            <a:fld id="{46F57507-0F4C-4094-8952-2F3170145981}" type="datetimeFigureOut">
               <a:rPr lang="zh-CN" altLang="en-US" smtClean="0"/>
               <a:t>2024/3/10</a:t>
             </a:fld>
@@ -2674,7 +2674,7 @@
           <p:cNvPr id="6" name="页脚占位符 5">
             <a:extLst>
               <a:ext uri="{FF2B5EF4-FFF2-40B4-BE49-F238E27FC236}">
-                <a16:creationId xmlns:a16="http://schemas.microsoft.com/office/drawing/2014/main" id="{A3940DCB-FBF5-4E71-CBF5-0B58FA8811C9}"/>
+                <a16:creationId xmlns:a16="http://schemas.microsoft.com/office/drawing/2014/main" id="{EA568F52-DAF6-7161-342C-7DC3F3FBEFEA}"/>
               </a:ext>
             </a:extLst>
           </p:cNvPr>
@@ -2699,7 +2699,7 @@
           <p:cNvPr id="7" name="灯片编号占位符 6">
             <a:extLst>
               <a:ext uri="{FF2B5EF4-FFF2-40B4-BE49-F238E27FC236}">
-                <a16:creationId xmlns:a16="http://schemas.microsoft.com/office/drawing/2014/main" id="{2E864B18-84E7-55A3-BDCA-A036E10361B2}"/>
+                <a16:creationId xmlns:a16="http://schemas.microsoft.com/office/drawing/2014/main" id="{1C0EA11E-8840-AC88-7EAF-4E2D45B28A6C}"/>
               </a:ext>
             </a:extLst>
           </p:cNvPr>
@@ -2715,7 +2715,7 @@
           <a:bodyPr/>
           <a:lstStyle/>
           <a:p>
-            <a:fld id="{B1A135E2-56E7-4F0D-93CC-1A1753B7828B}" type="slidenum">
+            <a:fld id="{FD264F54-6E70-4BED-B795-E4D605546D8E}" type="slidenum">
               <a:rPr lang="zh-CN" altLang="en-US" smtClean="0"/>
               <a:t>‹#›</a:t>
             </a:fld>
@@ -2726,7 +2726,7 @@
     </p:spTree>
     <p:extLst>
       <p:ext uri="{BB962C8B-B14F-4D97-AF65-F5344CB8AC3E}">
-        <p14:creationId xmlns:p14="http://schemas.microsoft.com/office/powerpoint/2010/main" val="3104016373"/>
+        <p14:creationId xmlns:p14="http://schemas.microsoft.com/office/powerpoint/2010/main" val="2136302620"/>
       </p:ext>
     </p:extLst>
   </p:cSld>
@@ -2763,7 +2763,7 @@
           <p:cNvPr id="2" name="标题占位符 1">
             <a:extLst>
               <a:ext uri="{FF2B5EF4-FFF2-40B4-BE49-F238E27FC236}">
-                <a16:creationId xmlns:a16="http://schemas.microsoft.com/office/drawing/2014/main" id="{556215C4-A70A-6AFC-7EE1-71D56CF59662}"/>
+                <a16:creationId xmlns:a16="http://schemas.microsoft.com/office/drawing/2014/main" id="{5FC03C96-5040-DB5F-DE72-C43714E616F7}"/>
               </a:ext>
             </a:extLst>
           </p:cNvPr>
@@ -2801,7 +2801,7 @@
           <p:cNvPr id="3" name="文本占位符 2">
             <a:extLst>
               <a:ext uri="{FF2B5EF4-FFF2-40B4-BE49-F238E27FC236}">
-                <a16:creationId xmlns:a16="http://schemas.microsoft.com/office/drawing/2014/main" id="{38BF5B1F-35E3-2B54-77EC-B556998A0CC7}"/>
+                <a16:creationId xmlns:a16="http://schemas.microsoft.com/office/drawing/2014/main" id="{6DD5D392-E6AE-0315-F608-F875513DE7E7}"/>
               </a:ext>
             </a:extLst>
           </p:cNvPr>
@@ -2868,7 +2868,7 @@
           <p:cNvPr id="4" name="日期占位符 3">
             <a:extLst>
               <a:ext uri="{FF2B5EF4-FFF2-40B4-BE49-F238E27FC236}">
-                <a16:creationId xmlns:a16="http://schemas.microsoft.com/office/drawing/2014/main" id="{E046BF2A-E930-46B2-AE90-DD267A562A12}"/>
+                <a16:creationId xmlns:a16="http://schemas.microsoft.com/office/drawing/2014/main" id="{4B59A4C0-BE60-D479-1E23-AD87FD86EB8F}"/>
               </a:ext>
             </a:extLst>
           </p:cNvPr>
@@ -2902,7 +2902,7 @@
             </a:lvl1pPr>
           </a:lstStyle>
           <a:p>
-            <a:fld id="{EE6136B4-9C0B-4520-9A15-086AF0762D86}" type="datetimeFigureOut">
+            <a:fld id="{46F57507-0F4C-4094-8952-2F3170145981}" type="datetimeFigureOut">
               <a:rPr lang="zh-CN" altLang="en-US" smtClean="0"/>
               <a:t>2024/3/10</a:t>
             </a:fld>
@@ -2915,7 +2915,7 @@
           <p:cNvPr id="5" name="页脚占位符 4">
             <a:extLst>
               <a:ext uri="{FF2B5EF4-FFF2-40B4-BE49-F238E27FC236}">
-                <a16:creationId xmlns:a16="http://schemas.microsoft.com/office/drawing/2014/main" id="{331074DB-10FA-BCCB-7506-6F65FEB2688A}"/>
+                <a16:creationId xmlns:a16="http://schemas.microsoft.com/office/drawing/2014/main" id="{5D870A7F-9420-D067-F338-E857D5EE2A67}"/>
               </a:ext>
             </a:extLst>
           </p:cNvPr>
@@ -2958,7 +2958,7 @@
           <p:cNvPr id="6" name="灯片编号占位符 5">
             <a:extLst>
               <a:ext uri="{FF2B5EF4-FFF2-40B4-BE49-F238E27FC236}">
-                <a16:creationId xmlns:a16="http://schemas.microsoft.com/office/drawing/2014/main" id="{99D7D54E-C9BF-F3F6-90D1-0C85B5D581A7}"/>
+                <a16:creationId xmlns:a16="http://schemas.microsoft.com/office/drawing/2014/main" id="{35237991-3107-5E34-EEDB-4C5EE106A4F0}"/>
               </a:ext>
             </a:extLst>
           </p:cNvPr>
@@ -2992,7 +2992,7 @@
             </a:lvl1pPr>
           </a:lstStyle>
           <a:p>
-            <a:fld id="{B1A135E2-56E7-4F0D-93CC-1A1753B7828B}" type="slidenum">
+            <a:fld id="{FD264F54-6E70-4BED-B795-E4D605546D8E}" type="slidenum">
               <a:rPr lang="zh-CN" altLang="en-US" smtClean="0"/>
               <a:t>‹#›</a:t>
             </a:fld>
@@ -3003,7 +3003,7 @@
     </p:spTree>
     <p:extLst>
       <p:ext uri="{BB962C8B-B14F-4D97-AF65-F5344CB8AC3E}">
-        <p14:creationId xmlns:p14="http://schemas.microsoft.com/office/powerpoint/2010/main" val="2683836943"/>
+        <p14:creationId xmlns:p14="http://schemas.microsoft.com/office/powerpoint/2010/main" val="2488338351"/>
       </p:ext>
     </p:extLst>
   </p:cSld>
@@ -3323,7 +3323,7 @@
       </p:grpSpPr>
       <p:pic>
         <p:nvPicPr>
-          <p:cNvPr id="507906" name="Picture 2" descr="495"/>
+          <p:cNvPr id="508930" name="Picture 2" descr="496"/>
           <p:cNvPicPr>
             <a:picLocks noChangeAspect="1" noChangeArrowheads="1"/>
           </p:cNvPicPr>
